--- a/unlvr_viz/BackGrounds/Final - V2.pptx
+++ b/unlvr_viz/BackGrounds/Final - V2.pptx
@@ -264,7 +264,7 @@
           <a:p>
             <a:fld id="{B74CBB8A-F424-4B4A-9EF9-9DE0D512E322}" type="datetimeFigureOut">
               <a:rPr lang="es-ES" smtClean="0"/>
-              <a:t>24/03/2016</a:t>
+              <a:t>29/03/2016</a:t>
             </a:fld>
             <a:endParaRPr lang="es-ES"/>
           </a:p>
@@ -434,7 +434,7 @@
           <a:p>
             <a:fld id="{B74CBB8A-F424-4B4A-9EF9-9DE0D512E322}" type="datetimeFigureOut">
               <a:rPr lang="es-ES" smtClean="0"/>
-              <a:t>24/03/2016</a:t>
+              <a:t>29/03/2016</a:t>
             </a:fld>
             <a:endParaRPr lang="es-ES"/>
           </a:p>
@@ -614,7 +614,7 @@
           <a:p>
             <a:fld id="{B74CBB8A-F424-4B4A-9EF9-9DE0D512E322}" type="datetimeFigureOut">
               <a:rPr lang="es-ES" smtClean="0"/>
-              <a:t>24/03/2016</a:t>
+              <a:t>29/03/2016</a:t>
             </a:fld>
             <a:endParaRPr lang="es-ES"/>
           </a:p>
@@ -784,7 +784,7 @@
           <a:p>
             <a:fld id="{B74CBB8A-F424-4B4A-9EF9-9DE0D512E322}" type="datetimeFigureOut">
               <a:rPr lang="es-ES" smtClean="0"/>
-              <a:t>24/03/2016</a:t>
+              <a:t>29/03/2016</a:t>
             </a:fld>
             <a:endParaRPr lang="es-ES"/>
           </a:p>
@@ -1028,7 +1028,7 @@
           <a:p>
             <a:fld id="{B74CBB8A-F424-4B4A-9EF9-9DE0D512E322}" type="datetimeFigureOut">
               <a:rPr lang="es-ES" smtClean="0"/>
-              <a:t>24/03/2016</a:t>
+              <a:t>29/03/2016</a:t>
             </a:fld>
             <a:endParaRPr lang="es-ES"/>
           </a:p>
@@ -1260,7 +1260,7 @@
           <a:p>
             <a:fld id="{B74CBB8A-F424-4B4A-9EF9-9DE0D512E322}" type="datetimeFigureOut">
               <a:rPr lang="es-ES" smtClean="0"/>
-              <a:t>24/03/2016</a:t>
+              <a:t>29/03/2016</a:t>
             </a:fld>
             <a:endParaRPr lang="es-ES"/>
           </a:p>
@@ -1627,7 +1627,7 @@
           <a:p>
             <a:fld id="{B74CBB8A-F424-4B4A-9EF9-9DE0D512E322}" type="datetimeFigureOut">
               <a:rPr lang="es-ES" smtClean="0"/>
-              <a:t>24/03/2016</a:t>
+              <a:t>29/03/2016</a:t>
             </a:fld>
             <a:endParaRPr lang="es-ES"/>
           </a:p>
@@ -1745,7 +1745,7 @@
           <a:p>
             <a:fld id="{B74CBB8A-F424-4B4A-9EF9-9DE0D512E322}" type="datetimeFigureOut">
               <a:rPr lang="es-ES" smtClean="0"/>
-              <a:t>24/03/2016</a:t>
+              <a:t>29/03/2016</a:t>
             </a:fld>
             <a:endParaRPr lang="es-ES"/>
           </a:p>
@@ -1840,7 +1840,7 @@
           <a:p>
             <a:fld id="{B74CBB8A-F424-4B4A-9EF9-9DE0D512E322}" type="datetimeFigureOut">
               <a:rPr lang="es-ES" smtClean="0"/>
-              <a:t>24/03/2016</a:t>
+              <a:t>29/03/2016</a:t>
             </a:fld>
             <a:endParaRPr lang="es-ES"/>
           </a:p>
@@ -2117,7 +2117,7 @@
           <a:p>
             <a:fld id="{B74CBB8A-F424-4B4A-9EF9-9DE0D512E322}" type="datetimeFigureOut">
               <a:rPr lang="es-ES" smtClean="0"/>
-              <a:t>24/03/2016</a:t>
+              <a:t>29/03/2016</a:t>
             </a:fld>
             <a:endParaRPr lang="es-ES"/>
           </a:p>
@@ -2374,7 +2374,7 @@
           <a:p>
             <a:fld id="{B74CBB8A-F424-4B4A-9EF9-9DE0D512E322}" type="datetimeFigureOut">
               <a:rPr lang="es-ES" smtClean="0"/>
-              <a:t>24/03/2016</a:t>
+              <a:t>29/03/2016</a:t>
             </a:fld>
             <a:endParaRPr lang="es-ES"/>
           </a:p>
@@ -2587,7 +2587,7 @@
           <a:p>
             <a:fld id="{B74CBB8A-F424-4B4A-9EF9-9DE0D512E322}" type="datetimeFigureOut">
               <a:rPr lang="es-ES" smtClean="0"/>
-              <a:t>24/03/2016</a:t>
+              <a:t>29/03/2016</a:t>
             </a:fld>
             <a:endParaRPr lang="es-ES"/>
           </a:p>
@@ -4100,59 +4100,6 @@
           <a:chExt cx="0" cy="0"/>
         </a:xfrm>
       </p:grpSpPr>
-      <p:sp>
-        <p:nvSpPr>
-          <p:cNvPr id="5" name="Flowchart: Document 4"/>
-          <p:cNvSpPr/>
-          <p:nvPr/>
-        </p:nvSpPr>
-        <p:spPr>
-          <a:xfrm>
-            <a:off x="132226" y="1210215"/>
-            <a:ext cx="11544320" cy="816302"/>
-          </a:xfrm>
-          <a:prstGeom prst="flowChartDocument">
-            <a:avLst/>
-          </a:prstGeom>
-          <a:solidFill>
-            <a:schemeClr val="bg1"/>
-          </a:solidFill>
-          <a:ln>
-            <a:noFill/>
-          </a:ln>
-          <a:effectLst>
-            <a:outerShdw blurRad="50800" dist="38100" dir="2700000" algn="tl" rotWithShape="0">
-              <a:prstClr val="black">
-                <a:alpha val="40000"/>
-              </a:prstClr>
-            </a:outerShdw>
-          </a:effectLst>
-        </p:spPr>
-        <p:style>
-          <a:lnRef idx="2">
-            <a:schemeClr val="accent1">
-              <a:shade val="50000"/>
-            </a:schemeClr>
-          </a:lnRef>
-          <a:fillRef idx="1">
-            <a:schemeClr val="accent1"/>
-          </a:fillRef>
-          <a:effectRef idx="0">
-            <a:schemeClr val="accent1"/>
-          </a:effectRef>
-          <a:fontRef idx="minor">
-            <a:schemeClr val="lt1"/>
-          </a:fontRef>
-        </p:style>
-        <p:txBody>
-          <a:bodyPr rtlCol="0" anchor="ctr"/>
-          <a:lstStyle/>
-          <a:p>
-            <a:pPr algn="ctr"/>
-            <a:endParaRPr lang="es-ES"/>
-          </a:p>
-        </p:txBody>
-      </p:sp>
       <p:pic>
         <p:nvPicPr>
           <p:cNvPr id="6" name="Picture 5"/>
@@ -5229,59 +5176,6 @@
           <a:chExt cx="0" cy="0"/>
         </a:xfrm>
       </p:grpSpPr>
-      <p:sp>
-        <p:nvSpPr>
-          <p:cNvPr id="5" name="Flowchart: Document 4"/>
-          <p:cNvSpPr/>
-          <p:nvPr/>
-        </p:nvSpPr>
-        <p:spPr>
-          <a:xfrm>
-            <a:off x="132226" y="1210215"/>
-            <a:ext cx="11544320" cy="816302"/>
-          </a:xfrm>
-          <a:prstGeom prst="flowChartDocument">
-            <a:avLst/>
-          </a:prstGeom>
-          <a:solidFill>
-            <a:schemeClr val="bg1"/>
-          </a:solidFill>
-          <a:ln>
-            <a:noFill/>
-          </a:ln>
-          <a:effectLst>
-            <a:outerShdw blurRad="50800" dist="38100" dir="2700000" algn="tl" rotWithShape="0">
-              <a:prstClr val="black">
-                <a:alpha val="40000"/>
-              </a:prstClr>
-            </a:outerShdw>
-          </a:effectLst>
-        </p:spPr>
-        <p:style>
-          <a:lnRef idx="2">
-            <a:schemeClr val="accent1">
-              <a:shade val="50000"/>
-            </a:schemeClr>
-          </a:lnRef>
-          <a:fillRef idx="1">
-            <a:schemeClr val="accent1"/>
-          </a:fillRef>
-          <a:effectRef idx="0">
-            <a:schemeClr val="accent1"/>
-          </a:effectRef>
-          <a:fontRef idx="minor">
-            <a:schemeClr val="lt1"/>
-          </a:fontRef>
-        </p:style>
-        <p:txBody>
-          <a:bodyPr rtlCol="0" anchor="ctr"/>
-          <a:lstStyle/>
-          <a:p>
-            <a:pPr algn="ctr"/>
-            <a:endParaRPr lang="es-ES"/>
-          </a:p>
-        </p:txBody>
-      </p:sp>
       <p:pic>
         <p:nvPicPr>
           <p:cNvPr id="6" name="Picture 5"/>
@@ -5546,6 +5440,17 @@
               <a:t>Investigate | </a:t>
             </a:r>
             <a:r>
+              <a:rPr lang="es-CO" sz="1200" b="1" dirty="0" err="1" smtClean="0">
+                <a:solidFill>
+                  <a:schemeClr val="bg2">
+                    <a:lumMod val="50000"/>
+                  </a:schemeClr>
+                </a:solidFill>
+                <a:latin typeface="Arial Rounded MT Bold" panose="020F0704030504030204" pitchFamily="34" charset="0"/>
+              </a:rPr>
+              <a:t>Topline</a:t>
+            </a:r>
+            <a:r>
               <a:rPr lang="es-CO" sz="1200" b="1" dirty="0" smtClean="0">
                 <a:solidFill>
                   <a:schemeClr val="bg2">
@@ -5554,7 +5459,18 @@
                 </a:solidFill>
                 <a:latin typeface="Arial Rounded MT Bold" panose="020F0704030504030204" pitchFamily="34" charset="0"/>
               </a:rPr>
-              <a:t>Toplines Results</a:t>
+              <a:t> </a:t>
+            </a:r>
+            <a:r>
+              <a:rPr lang="es-CO" sz="1200" b="1" dirty="0" smtClean="0">
+                <a:solidFill>
+                  <a:schemeClr val="bg2">
+                    <a:lumMod val="50000"/>
+                  </a:schemeClr>
+                </a:solidFill>
+                <a:latin typeface="Arial Rounded MT Bold" panose="020F0704030504030204" pitchFamily="34" charset="0"/>
+              </a:rPr>
+              <a:t>Results</a:t>
             </a:r>
             <a:endParaRPr lang="es-ES" sz="1200" b="1" dirty="0">
               <a:solidFill>
@@ -5747,59 +5663,6 @@
           <a:chExt cx="0" cy="0"/>
         </a:xfrm>
       </p:grpSpPr>
-      <p:sp>
-        <p:nvSpPr>
-          <p:cNvPr id="5" name="Flowchart: Document 4"/>
-          <p:cNvSpPr/>
-          <p:nvPr/>
-        </p:nvSpPr>
-        <p:spPr>
-          <a:xfrm>
-            <a:off x="132226" y="1210215"/>
-            <a:ext cx="11544320" cy="816302"/>
-          </a:xfrm>
-          <a:prstGeom prst="flowChartDocument">
-            <a:avLst/>
-          </a:prstGeom>
-          <a:solidFill>
-            <a:schemeClr val="bg1"/>
-          </a:solidFill>
-          <a:ln>
-            <a:noFill/>
-          </a:ln>
-          <a:effectLst>
-            <a:outerShdw blurRad="50800" dist="38100" dir="2700000" algn="tl" rotWithShape="0">
-              <a:prstClr val="black">
-                <a:alpha val="40000"/>
-              </a:prstClr>
-            </a:outerShdw>
-          </a:effectLst>
-        </p:spPr>
-        <p:style>
-          <a:lnRef idx="2">
-            <a:schemeClr val="accent1">
-              <a:shade val="50000"/>
-            </a:schemeClr>
-          </a:lnRef>
-          <a:fillRef idx="1">
-            <a:schemeClr val="accent1"/>
-          </a:fillRef>
-          <a:effectRef idx="0">
-            <a:schemeClr val="accent1"/>
-          </a:effectRef>
-          <a:fontRef idx="minor">
-            <a:schemeClr val="lt1"/>
-          </a:fontRef>
-        </p:style>
-        <p:txBody>
-          <a:bodyPr rtlCol="0" anchor="ctr"/>
-          <a:lstStyle/>
-          <a:p>
-            <a:pPr algn="ctr"/>
-            <a:endParaRPr lang="es-ES"/>
-          </a:p>
-        </p:txBody>
-      </p:sp>
       <p:pic>
         <p:nvPicPr>
           <p:cNvPr id="6" name="Picture 5"/>
@@ -6265,59 +6128,6 @@
           <a:chExt cx="0" cy="0"/>
         </a:xfrm>
       </p:grpSpPr>
-      <p:sp>
-        <p:nvSpPr>
-          <p:cNvPr id="5" name="Flowchart: Document 4"/>
-          <p:cNvSpPr/>
-          <p:nvPr/>
-        </p:nvSpPr>
-        <p:spPr>
-          <a:xfrm>
-            <a:off x="132226" y="1210215"/>
-            <a:ext cx="11544320" cy="816302"/>
-          </a:xfrm>
-          <a:prstGeom prst="flowChartDocument">
-            <a:avLst/>
-          </a:prstGeom>
-          <a:solidFill>
-            <a:schemeClr val="bg1"/>
-          </a:solidFill>
-          <a:ln>
-            <a:noFill/>
-          </a:ln>
-          <a:effectLst>
-            <a:outerShdw blurRad="50800" dist="38100" dir="2700000" algn="tl" rotWithShape="0">
-              <a:prstClr val="black">
-                <a:alpha val="40000"/>
-              </a:prstClr>
-            </a:outerShdw>
-          </a:effectLst>
-        </p:spPr>
-        <p:style>
-          <a:lnRef idx="2">
-            <a:schemeClr val="accent1">
-              <a:shade val="50000"/>
-            </a:schemeClr>
-          </a:lnRef>
-          <a:fillRef idx="1">
-            <a:schemeClr val="accent1"/>
-          </a:fillRef>
-          <a:effectRef idx="0">
-            <a:schemeClr val="accent1"/>
-          </a:effectRef>
-          <a:fontRef idx="minor">
-            <a:schemeClr val="lt1"/>
-          </a:fontRef>
-        </p:style>
-        <p:txBody>
-          <a:bodyPr rtlCol="0" anchor="ctr"/>
-          <a:lstStyle/>
-          <a:p>
-            <a:pPr algn="ctr"/>
-            <a:endParaRPr lang="es-ES"/>
-          </a:p>
-        </p:txBody>
-      </p:sp>
       <p:pic>
         <p:nvPicPr>
           <p:cNvPr id="6" name="Picture 5"/>
@@ -6783,59 +6593,6 @@
           <a:chExt cx="0" cy="0"/>
         </a:xfrm>
       </p:grpSpPr>
-      <p:sp>
-        <p:nvSpPr>
-          <p:cNvPr id="5" name="Flowchart: Document 4"/>
-          <p:cNvSpPr/>
-          <p:nvPr/>
-        </p:nvSpPr>
-        <p:spPr>
-          <a:xfrm>
-            <a:off x="132226" y="1210215"/>
-            <a:ext cx="11544320" cy="816302"/>
-          </a:xfrm>
-          <a:prstGeom prst="flowChartDocument">
-            <a:avLst/>
-          </a:prstGeom>
-          <a:solidFill>
-            <a:schemeClr val="bg1"/>
-          </a:solidFill>
-          <a:ln>
-            <a:noFill/>
-          </a:ln>
-          <a:effectLst>
-            <a:outerShdw blurRad="50800" dist="38100" dir="2700000" algn="tl" rotWithShape="0">
-              <a:prstClr val="black">
-                <a:alpha val="40000"/>
-              </a:prstClr>
-            </a:outerShdw>
-          </a:effectLst>
-        </p:spPr>
-        <p:style>
-          <a:lnRef idx="2">
-            <a:schemeClr val="accent1">
-              <a:shade val="50000"/>
-            </a:schemeClr>
-          </a:lnRef>
-          <a:fillRef idx="1">
-            <a:schemeClr val="accent1"/>
-          </a:fillRef>
-          <a:effectRef idx="0">
-            <a:schemeClr val="accent1"/>
-          </a:effectRef>
-          <a:fontRef idx="minor">
-            <a:schemeClr val="lt1"/>
-          </a:fontRef>
-        </p:style>
-        <p:txBody>
-          <a:bodyPr rtlCol="0" anchor="ctr"/>
-          <a:lstStyle/>
-          <a:p>
-            <a:pPr algn="ctr"/>
-            <a:endParaRPr lang="es-ES"/>
-          </a:p>
-        </p:txBody>
-      </p:sp>
       <p:pic>
         <p:nvPicPr>
           <p:cNvPr id="6" name="Picture 5"/>
@@ -7292,59 +7049,6 @@
           <a:chExt cx="0" cy="0"/>
         </a:xfrm>
       </p:grpSpPr>
-      <p:sp>
-        <p:nvSpPr>
-          <p:cNvPr id="5" name="Flowchart: Document 4"/>
-          <p:cNvSpPr/>
-          <p:nvPr/>
-        </p:nvSpPr>
-        <p:spPr>
-          <a:xfrm>
-            <a:off x="132226" y="1210215"/>
-            <a:ext cx="11544320" cy="816302"/>
-          </a:xfrm>
-          <a:prstGeom prst="flowChartDocument">
-            <a:avLst/>
-          </a:prstGeom>
-          <a:solidFill>
-            <a:schemeClr val="bg1"/>
-          </a:solidFill>
-          <a:ln>
-            <a:noFill/>
-          </a:ln>
-          <a:effectLst>
-            <a:outerShdw blurRad="50800" dist="38100" dir="2700000" algn="tl" rotWithShape="0">
-              <a:prstClr val="black">
-                <a:alpha val="40000"/>
-              </a:prstClr>
-            </a:outerShdw>
-          </a:effectLst>
-        </p:spPr>
-        <p:style>
-          <a:lnRef idx="2">
-            <a:schemeClr val="accent1">
-              <a:shade val="50000"/>
-            </a:schemeClr>
-          </a:lnRef>
-          <a:fillRef idx="1">
-            <a:schemeClr val="accent1"/>
-          </a:fillRef>
-          <a:effectRef idx="0">
-            <a:schemeClr val="accent1"/>
-          </a:effectRef>
-          <a:fontRef idx="minor">
-            <a:schemeClr val="lt1"/>
-          </a:fontRef>
-        </p:style>
-        <p:txBody>
-          <a:bodyPr rtlCol="0" anchor="ctr"/>
-          <a:lstStyle/>
-          <a:p>
-            <a:pPr algn="ctr"/>
-            <a:endParaRPr lang="es-ES"/>
-          </a:p>
-        </p:txBody>
-      </p:sp>
       <p:pic>
         <p:nvPicPr>
           <p:cNvPr id="6" name="Picture 5"/>
@@ -7801,59 +7505,6 @@
           <a:chExt cx="0" cy="0"/>
         </a:xfrm>
       </p:grpSpPr>
-      <p:sp>
-        <p:nvSpPr>
-          <p:cNvPr id="5" name="Flowchart: Document 4"/>
-          <p:cNvSpPr/>
-          <p:nvPr/>
-        </p:nvSpPr>
-        <p:spPr>
-          <a:xfrm>
-            <a:off x="132226" y="1210215"/>
-            <a:ext cx="11544320" cy="816302"/>
-          </a:xfrm>
-          <a:prstGeom prst="flowChartDocument">
-            <a:avLst/>
-          </a:prstGeom>
-          <a:solidFill>
-            <a:schemeClr val="bg1"/>
-          </a:solidFill>
-          <a:ln>
-            <a:noFill/>
-          </a:ln>
-          <a:effectLst>
-            <a:outerShdw blurRad="50800" dist="38100" dir="2700000" algn="tl" rotWithShape="0">
-              <a:prstClr val="black">
-                <a:alpha val="40000"/>
-              </a:prstClr>
-            </a:outerShdw>
-          </a:effectLst>
-        </p:spPr>
-        <p:style>
-          <a:lnRef idx="2">
-            <a:schemeClr val="accent1">
-              <a:shade val="50000"/>
-            </a:schemeClr>
-          </a:lnRef>
-          <a:fillRef idx="1">
-            <a:schemeClr val="accent1"/>
-          </a:fillRef>
-          <a:effectRef idx="0">
-            <a:schemeClr val="accent1"/>
-          </a:effectRef>
-          <a:fontRef idx="minor">
-            <a:schemeClr val="lt1"/>
-          </a:fontRef>
-        </p:style>
-        <p:txBody>
-          <a:bodyPr rtlCol="0" anchor="ctr"/>
-          <a:lstStyle/>
-          <a:p>
-            <a:pPr algn="ctr"/>
-            <a:endParaRPr lang="es-ES"/>
-          </a:p>
-        </p:txBody>
-      </p:sp>
       <p:pic>
         <p:nvPicPr>
           <p:cNvPr id="6" name="Picture 5"/>
@@ -8310,59 +7961,6 @@
           <a:chExt cx="0" cy="0"/>
         </a:xfrm>
       </p:grpSpPr>
-      <p:sp>
-        <p:nvSpPr>
-          <p:cNvPr id="5" name="Flowchart: Document 4"/>
-          <p:cNvSpPr/>
-          <p:nvPr/>
-        </p:nvSpPr>
-        <p:spPr>
-          <a:xfrm>
-            <a:off x="132226" y="1210215"/>
-            <a:ext cx="11544320" cy="816302"/>
-          </a:xfrm>
-          <a:prstGeom prst="flowChartDocument">
-            <a:avLst/>
-          </a:prstGeom>
-          <a:solidFill>
-            <a:schemeClr val="bg1"/>
-          </a:solidFill>
-          <a:ln>
-            <a:noFill/>
-          </a:ln>
-          <a:effectLst>
-            <a:outerShdw blurRad="50800" dist="38100" dir="2700000" algn="tl" rotWithShape="0">
-              <a:prstClr val="black">
-                <a:alpha val="40000"/>
-              </a:prstClr>
-            </a:outerShdw>
-          </a:effectLst>
-        </p:spPr>
-        <p:style>
-          <a:lnRef idx="2">
-            <a:schemeClr val="accent1">
-              <a:shade val="50000"/>
-            </a:schemeClr>
-          </a:lnRef>
-          <a:fillRef idx="1">
-            <a:schemeClr val="accent1"/>
-          </a:fillRef>
-          <a:effectRef idx="0">
-            <a:schemeClr val="accent1"/>
-          </a:effectRef>
-          <a:fontRef idx="minor">
-            <a:schemeClr val="lt1"/>
-          </a:fontRef>
-        </p:style>
-        <p:txBody>
-          <a:bodyPr rtlCol="0" anchor="ctr"/>
-          <a:lstStyle/>
-          <a:p>
-            <a:pPr algn="ctr"/>
-            <a:endParaRPr lang="es-ES"/>
-          </a:p>
-        </p:txBody>
-      </p:sp>
       <p:pic>
         <p:nvPicPr>
           <p:cNvPr id="6" name="Picture 5"/>
@@ -8627,6 +8225,28 @@
               <a:t>Explore | </a:t>
             </a:r>
             <a:r>
+              <a:rPr lang="es-CO" sz="1200" b="1" dirty="0" err="1">
+                <a:solidFill>
+                  <a:schemeClr val="bg2">
+                    <a:lumMod val="50000"/>
+                  </a:schemeClr>
+                </a:solidFill>
+                <a:latin typeface="Arial Rounded MT Bold" panose="020F0704030504030204" pitchFamily="34" charset="0"/>
+              </a:rPr>
+              <a:t>S</a:t>
+            </a:r>
+            <a:r>
+              <a:rPr lang="es-CO" sz="1200" b="1" dirty="0" err="1" smtClean="0">
+                <a:solidFill>
+                  <a:schemeClr val="bg2">
+                    <a:lumMod val="50000"/>
+                  </a:schemeClr>
+                </a:solidFill>
+                <a:latin typeface="Arial Rounded MT Bold" panose="020F0704030504030204" pitchFamily="34" charset="0"/>
+              </a:rPr>
+              <a:t>cenario</a:t>
+            </a:r>
+            <a:r>
               <a:rPr lang="es-CO" sz="1200" b="1" dirty="0" smtClean="0">
                 <a:solidFill>
                   <a:schemeClr val="bg2">
@@ -8635,7 +8255,18 @@
                 </a:solidFill>
                 <a:latin typeface="Arial Rounded MT Bold" panose="020F0704030504030204" pitchFamily="34" charset="0"/>
               </a:rPr>
-              <a:t>Escenario Results</a:t>
+              <a:t> </a:t>
+            </a:r>
+            <a:r>
+              <a:rPr lang="es-CO" sz="1200" b="1" dirty="0" smtClean="0">
+                <a:solidFill>
+                  <a:schemeClr val="bg2">
+                    <a:lumMod val="50000"/>
+                  </a:schemeClr>
+                </a:solidFill>
+                <a:latin typeface="Arial Rounded MT Bold" panose="020F0704030504030204" pitchFamily="34" charset="0"/>
+              </a:rPr>
+              <a:t>Results</a:t>
             </a:r>
             <a:endParaRPr lang="es-ES" sz="1200" b="1" dirty="0">
               <a:solidFill>
